--- a/EPSIBA B PPT.pptx
+++ b/EPSIBA B PPT.pptx
@@ -7050,25 +7050,37 @@
           <a:p>
             <a:r>
               <a:rPr lang="en-US" sz="2400" dirty="0"/>
-              <a:t>REGISTER NO AND NMID: </a:t>
+              <a:t>REGISTER NO AND NMID</a:t>
+            </a:r>
+            <a:r>
+              <a:rPr lang="en-US" sz="2400"/>
+              <a:t>: </a:t>
+            </a:r>
+            <a:r>
+              <a:rPr lang="en-US" sz="2400" smtClean="0"/>
+              <a:t>212400997/</a:t>
             </a:r>
             <a:endParaRPr lang="en-US" sz="2400" dirty="0" smtClean="0"/>
           </a:p>
           <a:p>
             <a:r>
-              <a:rPr lang="en-US" sz="2400" dirty="0">
+              <a:rPr lang="en-US" sz="2400" dirty="0" smtClean="0">
                 <a:cs typeface="Calibri"/>
               </a:rPr>
               <a:t>DC4524BE32464A7B2F8482476E9C803B</a:t>
             </a:r>
-            <a:endParaRPr lang="en-US" sz="2400" dirty="0">
+            <a:endParaRPr lang="en-US" sz="2400" dirty="0" smtClean="0">
               <a:cs typeface="Calibri"/>
             </a:endParaRPr>
           </a:p>
           <a:p>
             <a:r>
+              <a:rPr lang="en-US" sz="2400" dirty="0" smtClean="0"/>
+              <a:t>DEPARTMENT</a:t>
+            </a:r>
+            <a:r>
               <a:rPr lang="en-US" sz="2400" dirty="0"/>
-              <a:t>DEPARTMENT: </a:t>
+              <a:t>: </a:t>
             </a:r>
             <a:r>
               <a:rPr lang="en-US" sz="2400" dirty="0" smtClean="0"/>
@@ -10772,8 +10784,12 @@
               <a:t>a need for a customizable, user-friendly digital </a:t>
             </a:r>
             <a:r>
+              <a:rPr lang="en-US" sz="2400" dirty="0" err="1" smtClean="0"/>
+              <a:t>portfolio.It</a:t>
+            </a:r>
+            <a:r>
               <a:rPr lang="en-US" sz="2400" dirty="0" smtClean="0"/>
-              <a:t>portfolio. It </a:t>
+              <a:t> </a:t>
             </a:r>
             <a:r>
               <a:rPr lang="en-US" sz="2400" dirty="0"/>
